--- a/OPD.pptx
+++ b/OPD.pptx
@@ -5,7 +5,7 @@
     <p:sldMasterId id="2147483648" r:id="rId1"/>
   </p:sldMasterIdLst>
   <p:notesMasterIdLst>
-    <p:notesMasterId r:id="rId12"/>
+    <p:notesMasterId r:id="rId24"/>
   </p:notesMasterIdLst>
   <p:sldIdLst>
     <p:sldId id="256" r:id="rId2"/>
@@ -18,6 +18,18 @@
     <p:sldId id="267" r:id="rId9"/>
     <p:sldId id="261" r:id="rId10"/>
     <p:sldId id="258" r:id="rId11"/>
+    <p:sldId id="268" r:id="rId12"/>
+    <p:sldId id="269" r:id="rId13"/>
+    <p:sldId id="270" r:id="rId14"/>
+    <p:sldId id="271" r:id="rId15"/>
+    <p:sldId id="272" r:id="rId16"/>
+    <p:sldId id="273" r:id="rId17"/>
+    <p:sldId id="274" r:id="rId18"/>
+    <p:sldId id="275" r:id="rId19"/>
+    <p:sldId id="276" r:id="rId20"/>
+    <p:sldId id="277" r:id="rId21"/>
+    <p:sldId id="278" r:id="rId22"/>
+    <p:sldId id="279" r:id="rId23"/>
   </p:sldIdLst>
   <p:sldSz cx="12192000" cy="6858000"/>
   <p:notesSz cx="6858000" cy="9144000"/>
@@ -131,6 +143,18 @@
             <p14:sldId id="267"/>
             <p14:sldId id="261"/>
             <p14:sldId id="258"/>
+            <p14:sldId id="268"/>
+            <p14:sldId id="269"/>
+            <p14:sldId id="270"/>
+            <p14:sldId id="271"/>
+            <p14:sldId id="272"/>
+            <p14:sldId id="273"/>
+            <p14:sldId id="274"/>
+            <p14:sldId id="275"/>
+            <p14:sldId id="276"/>
+            <p14:sldId id="277"/>
+            <p14:sldId id="278"/>
+            <p14:sldId id="279"/>
           </p14:sldIdLst>
         </p14:section>
       </p14:sectionLst>
@@ -8430,6 +8454,625 @@
 </p:sld>
 </file>
 
+<file path=ppt/slides/slide11.xml><?xml version="1.0" encoding="utf-8"?>
+<p:sld xmlns:a="http://schemas.openxmlformats.org/drawingml/2006/main" xmlns:r="http://schemas.openxmlformats.org/officeDocument/2006/relationships" xmlns:p="http://schemas.openxmlformats.org/presentationml/2006/main">
+  <p:cSld>
+    <p:spTree>
+      <p:nvGrpSpPr>
+        <p:cNvPr id="1" name=""/>
+        <p:cNvGrpSpPr/>
+        <p:nvPr/>
+      </p:nvGrpSpPr>
+      <p:grpSpPr>
+        <a:xfrm>
+          <a:off x="0" y="0"/>
+          <a:ext cx="0" cy="0"/>
+          <a:chOff x="0" y="0"/>
+          <a:chExt cx="0" cy="0"/>
+        </a:xfrm>
+      </p:grpSpPr>
+      <p:sp>
+        <p:nvSpPr>
+          <p:cNvPr id="2" name="Заголовок 1">
+            <a:extLst>
+              <a:ext uri="{FF2B5EF4-FFF2-40B4-BE49-F238E27FC236}">
+                <a16:creationId xmlns:a16="http://schemas.microsoft.com/office/drawing/2014/main" id="{A150B5C2-BF0C-46B0-9120-8D57E549218B}"/>
+              </a:ext>
+            </a:extLst>
+          </p:cNvPr>
+          <p:cNvSpPr>
+            <a:spLocks noGrp="1"/>
+          </p:cNvSpPr>
+          <p:nvPr>
+            <p:ph type="title"/>
+          </p:nvPr>
+        </p:nvSpPr>
+        <p:spPr>
+          <a:xfrm>
+            <a:off x="1571348" y="331147"/>
+            <a:ext cx="10066429" cy="1280890"/>
+          </a:xfrm>
+        </p:spPr>
+        <p:txBody>
+          <a:bodyPr>
+            <a:normAutofit/>
+          </a:bodyPr>
+          <a:lstStyle/>
+          <a:p>
+            <a:r>
+              <a:rPr lang="ru-RU" dirty="0">
+                <a:ln w="0"/>
+                <a:solidFill>
+                  <a:schemeClr val="accent1"/>
+                </a:solidFill>
+                <a:effectLst>
+                  <a:outerShdw blurRad="38100" dist="25400" dir="5400000" algn="ctr" rotWithShape="0">
+                    <a:srgbClr val="6E747A">
+                      <a:alpha val="43000"/>
+                    </a:srgbClr>
+                  </a:outerShdw>
+                </a:effectLst>
+              </a:rPr>
+              <a:t>Ссылки на корпоративный сайт и где скачать приложение</a:t>
+            </a:r>
+          </a:p>
+        </p:txBody>
+      </p:sp>
+      <p:sp>
+        <p:nvSpPr>
+          <p:cNvPr id="3" name="Объект 2">
+            <a:extLst>
+              <a:ext uri="{FF2B5EF4-FFF2-40B4-BE49-F238E27FC236}">
+                <a16:creationId xmlns:a16="http://schemas.microsoft.com/office/drawing/2014/main" id="{45EAE4A5-CAF8-4E01-AF27-360221B2633A}"/>
+              </a:ext>
+            </a:extLst>
+          </p:cNvPr>
+          <p:cNvSpPr>
+            <a:spLocks noGrp="1"/>
+          </p:cNvSpPr>
+          <p:nvPr>
+            <p:ph idx="1"/>
+          </p:nvPr>
+        </p:nvSpPr>
+        <p:spPr>
+          <a:xfrm>
+            <a:off x="1571348" y="1822882"/>
+            <a:ext cx="8915400" cy="3777622"/>
+          </a:xfrm>
+        </p:spPr>
+        <p:txBody>
+          <a:bodyPr/>
+          <a:lstStyle/>
+          <a:p>
+            <a:pPr marL="0" indent="0">
+              <a:buNone/>
+            </a:pPr>
+            <a:r>
+              <a:rPr lang="ru-RU" dirty="0"/>
+              <a:t>На сегодняшний день приложение невозможно скачать в </a:t>
+            </a:r>
+            <a:r>
+              <a:rPr lang="en-US" dirty="0"/>
+              <a:t>Play Market </a:t>
+            </a:r>
+            <a:r>
+              <a:rPr lang="ru-RU" dirty="0"/>
+              <a:t>или </a:t>
+            </a:r>
+            <a:r>
+              <a:rPr lang="en-US" dirty="0"/>
+              <a:t>App Store</a:t>
+            </a:r>
+            <a:r>
+              <a:rPr lang="ru-RU" dirty="0"/>
+              <a:t>, для реализации данной задачи необходимы инвестиции в проект для приобретения аккаунта разработчика в </a:t>
+            </a:r>
+            <a:r>
+              <a:rPr lang="en-US" dirty="0"/>
+              <a:t>Google Play </a:t>
+            </a:r>
+            <a:r>
+              <a:rPr lang="ru-RU" dirty="0"/>
+              <a:t>и </a:t>
+            </a:r>
+            <a:r>
+              <a:rPr lang="en-US" dirty="0"/>
+              <a:t>App Store</a:t>
+            </a:r>
+            <a:r>
+              <a:rPr lang="ru-RU" dirty="0"/>
+              <a:t>.</a:t>
+            </a:r>
+          </a:p>
+          <a:p>
+            <a:pPr marL="0" indent="0">
+              <a:buNone/>
+            </a:pPr>
+            <a:endParaRPr lang="ru-RU" dirty="0"/>
+          </a:p>
+          <a:p>
+            <a:pPr marL="0" indent="0" algn="ctr">
+              <a:buNone/>
+            </a:pPr>
+            <a:r>
+              <a:rPr lang="ru-RU" sz="3600" dirty="0" smtClean="0"/>
+              <a:t>Ссылка </a:t>
+            </a:r>
+            <a:r>
+              <a:rPr lang="ru-RU" sz="3600" dirty="0"/>
+              <a:t>на наш </a:t>
+            </a:r>
+            <a:r>
+              <a:rPr lang="ru-RU" sz="3600" dirty="0" smtClean="0"/>
+              <a:t>сайт</a:t>
+            </a:r>
+            <a:endParaRPr lang="en-US" sz="3600" dirty="0"/>
+          </a:p>
+          <a:p>
+            <a:pPr marL="0" indent="0" algn="ctr">
+              <a:buNone/>
+            </a:pPr>
+            <a:r>
+              <a:rPr lang="en-US" sz="3600" dirty="0" smtClean="0">
+                <a:hlinkClick r:id="rId2"/>
+              </a:rPr>
+              <a:t>kokoresh.github.io</a:t>
+            </a:r>
+            <a:endParaRPr lang="ru-RU" sz="3600" dirty="0"/>
+          </a:p>
+          <a:p>
+            <a:pPr marL="0" indent="0" algn="ctr">
+              <a:buNone/>
+            </a:pPr>
+            <a:endParaRPr lang="ru-RU" dirty="0"/>
+          </a:p>
+        </p:txBody>
+      </p:sp>
+    </p:spTree>
+    <p:extLst>
+      <p:ext uri="{BB962C8B-B14F-4D97-AF65-F5344CB8AC3E}">
+        <p14:creationId xmlns:p14="http://schemas.microsoft.com/office/powerpoint/2010/main" val="306665987"/>
+      </p:ext>
+    </p:extLst>
+  </p:cSld>
+  <p:clrMapOvr>
+    <a:masterClrMapping/>
+  </p:clrMapOvr>
+</p:sld>
+</file>
+
+<file path=ppt/slides/slide12.xml><?xml version="1.0" encoding="utf-8"?>
+<p:sld xmlns:a="http://schemas.openxmlformats.org/drawingml/2006/main" xmlns:r="http://schemas.openxmlformats.org/officeDocument/2006/relationships" xmlns:p="http://schemas.openxmlformats.org/presentationml/2006/main">
+  <p:cSld>
+    <p:spTree>
+      <p:nvGrpSpPr>
+        <p:cNvPr id="1" name=""/>
+        <p:cNvGrpSpPr/>
+        <p:nvPr/>
+      </p:nvGrpSpPr>
+      <p:grpSpPr>
+        <a:xfrm>
+          <a:off x="0" y="0"/>
+          <a:ext cx="0" cy="0"/>
+          <a:chOff x="0" y="0"/>
+          <a:chExt cx="0" cy="0"/>
+        </a:xfrm>
+      </p:grpSpPr>
+      <p:pic>
+        <p:nvPicPr>
+          <p:cNvPr id="6" name="Рисунок 5"/>
+          <p:cNvPicPr>
+            <a:picLocks noChangeAspect="1"/>
+          </p:cNvPicPr>
+          <p:nvPr/>
+        </p:nvPicPr>
+        <p:blipFill>
+          <a:blip r:embed="rId2"/>
+          <a:stretch>
+            <a:fillRect/>
+          </a:stretch>
+        </p:blipFill>
+        <p:spPr>
+          <a:xfrm>
+            <a:off x="2149435" y="0"/>
+            <a:ext cx="8170222" cy="6727371"/>
+          </a:xfrm>
+          <a:prstGeom prst="rect">
+            <a:avLst/>
+          </a:prstGeom>
+        </p:spPr>
+      </p:pic>
+    </p:spTree>
+    <p:extLst>
+      <p:ext uri="{BB962C8B-B14F-4D97-AF65-F5344CB8AC3E}">
+        <p14:creationId xmlns:p14="http://schemas.microsoft.com/office/powerpoint/2010/main" val="2417467998"/>
+      </p:ext>
+    </p:extLst>
+  </p:cSld>
+  <p:clrMapOvr>
+    <a:masterClrMapping/>
+  </p:clrMapOvr>
+</p:sld>
+</file>
+
+<file path=ppt/slides/slide13.xml><?xml version="1.0" encoding="utf-8"?>
+<p:sld xmlns:a="http://schemas.openxmlformats.org/drawingml/2006/main" xmlns:r="http://schemas.openxmlformats.org/officeDocument/2006/relationships" xmlns:p="http://schemas.openxmlformats.org/presentationml/2006/main">
+  <p:cSld>
+    <p:spTree>
+      <p:nvGrpSpPr>
+        <p:cNvPr id="1" name=""/>
+        <p:cNvGrpSpPr/>
+        <p:nvPr/>
+      </p:nvGrpSpPr>
+      <p:grpSpPr>
+        <a:xfrm>
+          <a:off x="0" y="0"/>
+          <a:ext cx="0" cy="0"/>
+          <a:chOff x="0" y="0"/>
+          <a:chExt cx="0" cy="0"/>
+        </a:xfrm>
+      </p:grpSpPr>
+      <p:pic>
+        <p:nvPicPr>
+          <p:cNvPr id="2" name="Рисунок 1"/>
+          <p:cNvPicPr>
+            <a:picLocks noChangeAspect="1"/>
+          </p:cNvPicPr>
+          <p:nvPr/>
+        </p:nvPicPr>
+        <p:blipFill>
+          <a:blip r:embed="rId2"/>
+          <a:stretch>
+            <a:fillRect/>
+          </a:stretch>
+        </p:blipFill>
+        <p:spPr>
+          <a:xfrm>
+            <a:off x="2224645" y="518803"/>
+            <a:ext cx="7315200" cy="6057900"/>
+          </a:xfrm>
+          <a:prstGeom prst="rect">
+            <a:avLst/>
+          </a:prstGeom>
+        </p:spPr>
+      </p:pic>
+    </p:spTree>
+    <p:extLst>
+      <p:ext uri="{BB962C8B-B14F-4D97-AF65-F5344CB8AC3E}">
+        <p14:creationId xmlns:p14="http://schemas.microsoft.com/office/powerpoint/2010/main" val="1420088815"/>
+      </p:ext>
+    </p:extLst>
+  </p:cSld>
+  <p:clrMapOvr>
+    <a:masterClrMapping/>
+  </p:clrMapOvr>
+</p:sld>
+</file>
+
+<file path=ppt/slides/slide14.xml><?xml version="1.0" encoding="utf-8"?>
+<p:sld xmlns:a="http://schemas.openxmlformats.org/drawingml/2006/main" xmlns:r="http://schemas.openxmlformats.org/officeDocument/2006/relationships" xmlns:p="http://schemas.openxmlformats.org/presentationml/2006/main">
+  <p:cSld>
+    <p:spTree>
+      <p:nvGrpSpPr>
+        <p:cNvPr id="1" name=""/>
+        <p:cNvGrpSpPr/>
+        <p:nvPr/>
+      </p:nvGrpSpPr>
+      <p:grpSpPr>
+        <a:xfrm>
+          <a:off x="0" y="0"/>
+          <a:ext cx="0" cy="0"/>
+          <a:chOff x="0" y="0"/>
+          <a:chExt cx="0" cy="0"/>
+        </a:xfrm>
+      </p:grpSpPr>
+      <p:pic>
+        <p:nvPicPr>
+          <p:cNvPr id="3" name="Рисунок 2"/>
+          <p:cNvPicPr>
+            <a:picLocks noChangeAspect="1"/>
+          </p:cNvPicPr>
+          <p:nvPr/>
+        </p:nvPicPr>
+        <p:blipFill>
+          <a:blip r:embed="rId2"/>
+          <a:stretch>
+            <a:fillRect/>
+          </a:stretch>
+        </p:blipFill>
+        <p:spPr>
+          <a:xfrm>
+            <a:off x="1199408" y="178130"/>
+            <a:ext cx="8492279" cy="6353299"/>
+          </a:xfrm>
+          <a:prstGeom prst="rect">
+            <a:avLst/>
+          </a:prstGeom>
+        </p:spPr>
+      </p:pic>
+    </p:spTree>
+    <p:extLst>
+      <p:ext uri="{BB962C8B-B14F-4D97-AF65-F5344CB8AC3E}">
+        <p14:creationId xmlns:p14="http://schemas.microsoft.com/office/powerpoint/2010/main" val="2260975712"/>
+      </p:ext>
+    </p:extLst>
+  </p:cSld>
+  <p:clrMapOvr>
+    <a:masterClrMapping/>
+  </p:clrMapOvr>
+</p:sld>
+</file>
+
+<file path=ppt/slides/slide15.xml><?xml version="1.0" encoding="utf-8"?>
+<p:sld xmlns:a="http://schemas.openxmlformats.org/drawingml/2006/main" xmlns:r="http://schemas.openxmlformats.org/officeDocument/2006/relationships" xmlns:p="http://schemas.openxmlformats.org/presentationml/2006/main">
+  <p:cSld>
+    <p:spTree>
+      <p:nvGrpSpPr>
+        <p:cNvPr id="1" name=""/>
+        <p:cNvGrpSpPr/>
+        <p:nvPr/>
+      </p:nvGrpSpPr>
+      <p:grpSpPr>
+        <a:xfrm>
+          <a:off x="0" y="0"/>
+          <a:ext cx="0" cy="0"/>
+          <a:chOff x="0" y="0"/>
+          <a:chExt cx="0" cy="0"/>
+        </a:xfrm>
+      </p:grpSpPr>
+      <p:pic>
+        <p:nvPicPr>
+          <p:cNvPr id="2" name="Рисунок 1"/>
+          <p:cNvPicPr>
+            <a:picLocks noChangeAspect="1"/>
+          </p:cNvPicPr>
+          <p:nvPr/>
+        </p:nvPicPr>
+        <p:blipFill>
+          <a:blip r:embed="rId2"/>
+          <a:stretch>
+            <a:fillRect/>
+          </a:stretch>
+        </p:blipFill>
+        <p:spPr>
+          <a:xfrm>
+            <a:off x="2030681" y="142504"/>
+            <a:ext cx="7532419" cy="5891583"/>
+          </a:xfrm>
+          <a:prstGeom prst="rect">
+            <a:avLst/>
+          </a:prstGeom>
+        </p:spPr>
+      </p:pic>
+    </p:spTree>
+    <p:extLst>
+      <p:ext uri="{BB962C8B-B14F-4D97-AF65-F5344CB8AC3E}">
+        <p14:creationId xmlns:p14="http://schemas.microsoft.com/office/powerpoint/2010/main" val="2919523141"/>
+      </p:ext>
+    </p:extLst>
+  </p:cSld>
+  <p:clrMapOvr>
+    <a:masterClrMapping/>
+  </p:clrMapOvr>
+</p:sld>
+</file>
+
+<file path=ppt/slides/slide16.xml><?xml version="1.0" encoding="utf-8"?>
+<p:sld xmlns:a="http://schemas.openxmlformats.org/drawingml/2006/main" xmlns:r="http://schemas.openxmlformats.org/officeDocument/2006/relationships" xmlns:p="http://schemas.openxmlformats.org/presentationml/2006/main">
+  <p:cSld>
+    <p:spTree>
+      <p:nvGrpSpPr>
+        <p:cNvPr id="1" name=""/>
+        <p:cNvGrpSpPr/>
+        <p:nvPr/>
+      </p:nvGrpSpPr>
+      <p:grpSpPr>
+        <a:xfrm>
+          <a:off x="0" y="0"/>
+          <a:ext cx="0" cy="0"/>
+          <a:chOff x="0" y="0"/>
+          <a:chExt cx="0" cy="0"/>
+        </a:xfrm>
+      </p:grpSpPr>
+      <p:pic>
+        <p:nvPicPr>
+          <p:cNvPr id="3" name="Рисунок 2"/>
+          <p:cNvPicPr>
+            <a:picLocks noChangeAspect="1"/>
+          </p:cNvPicPr>
+          <p:nvPr/>
+        </p:nvPicPr>
+        <p:blipFill>
+          <a:blip r:embed="rId2"/>
+          <a:stretch>
+            <a:fillRect/>
+          </a:stretch>
+        </p:blipFill>
+        <p:spPr>
+          <a:xfrm>
+            <a:off x="2264847" y="0"/>
+            <a:ext cx="7448550" cy="7343775"/>
+          </a:xfrm>
+          <a:prstGeom prst="rect">
+            <a:avLst/>
+          </a:prstGeom>
+        </p:spPr>
+      </p:pic>
+    </p:spTree>
+    <p:extLst>
+      <p:ext uri="{BB962C8B-B14F-4D97-AF65-F5344CB8AC3E}">
+        <p14:creationId xmlns:p14="http://schemas.microsoft.com/office/powerpoint/2010/main" val="713513027"/>
+      </p:ext>
+    </p:extLst>
+  </p:cSld>
+  <p:clrMapOvr>
+    <a:masterClrMapping/>
+  </p:clrMapOvr>
+</p:sld>
+</file>
+
+<file path=ppt/slides/slide17.xml><?xml version="1.0" encoding="utf-8"?>
+<p:sld xmlns:a="http://schemas.openxmlformats.org/drawingml/2006/main" xmlns:r="http://schemas.openxmlformats.org/officeDocument/2006/relationships" xmlns:p="http://schemas.openxmlformats.org/presentationml/2006/main">
+  <p:cSld>
+    <p:spTree>
+      <p:nvGrpSpPr>
+        <p:cNvPr id="1" name=""/>
+        <p:cNvGrpSpPr/>
+        <p:nvPr/>
+      </p:nvGrpSpPr>
+      <p:grpSpPr>
+        <a:xfrm>
+          <a:off x="0" y="0"/>
+          <a:ext cx="0" cy="0"/>
+          <a:chOff x="0" y="0"/>
+          <a:chExt cx="0" cy="0"/>
+        </a:xfrm>
+      </p:grpSpPr>
+      <p:pic>
+        <p:nvPicPr>
+          <p:cNvPr id="2" name="Рисунок 1"/>
+          <p:cNvPicPr>
+            <a:picLocks noChangeAspect="1"/>
+          </p:cNvPicPr>
+          <p:nvPr/>
+        </p:nvPicPr>
+        <p:blipFill>
+          <a:blip r:embed="rId2"/>
+          <a:stretch>
+            <a:fillRect/>
+          </a:stretch>
+        </p:blipFill>
+        <p:spPr>
+          <a:xfrm>
+            <a:off x="2205037" y="-766763"/>
+            <a:ext cx="7781925" cy="8391525"/>
+          </a:xfrm>
+          <a:prstGeom prst="rect">
+            <a:avLst/>
+          </a:prstGeom>
+        </p:spPr>
+      </p:pic>
+    </p:spTree>
+    <p:extLst>
+      <p:ext uri="{BB962C8B-B14F-4D97-AF65-F5344CB8AC3E}">
+        <p14:creationId xmlns:p14="http://schemas.microsoft.com/office/powerpoint/2010/main" val="4148764850"/>
+      </p:ext>
+    </p:extLst>
+  </p:cSld>
+  <p:clrMapOvr>
+    <a:masterClrMapping/>
+  </p:clrMapOvr>
+</p:sld>
+</file>
+
+<file path=ppt/slides/slide18.xml><?xml version="1.0" encoding="utf-8"?>
+<p:sld xmlns:a="http://schemas.openxmlformats.org/drawingml/2006/main" xmlns:r="http://schemas.openxmlformats.org/officeDocument/2006/relationships" xmlns:p="http://schemas.openxmlformats.org/presentationml/2006/main">
+  <p:cSld>
+    <p:spTree>
+      <p:nvGrpSpPr>
+        <p:cNvPr id="1" name=""/>
+        <p:cNvGrpSpPr/>
+        <p:nvPr/>
+      </p:nvGrpSpPr>
+      <p:grpSpPr>
+        <a:xfrm>
+          <a:off x="0" y="0"/>
+          <a:ext cx="0" cy="0"/>
+          <a:chOff x="0" y="0"/>
+          <a:chExt cx="0" cy="0"/>
+        </a:xfrm>
+      </p:grpSpPr>
+      <p:pic>
+        <p:nvPicPr>
+          <p:cNvPr id="3" name="Рисунок 2"/>
+          <p:cNvPicPr>
+            <a:picLocks noChangeAspect="1"/>
+          </p:cNvPicPr>
+          <p:nvPr/>
+        </p:nvPicPr>
+        <p:blipFill>
+          <a:blip r:embed="rId2"/>
+          <a:stretch>
+            <a:fillRect/>
+          </a:stretch>
+        </p:blipFill>
+        <p:spPr>
+          <a:xfrm>
+            <a:off x="4119562" y="2528887"/>
+            <a:ext cx="3952875" cy="1800225"/>
+          </a:xfrm>
+          <a:prstGeom prst="rect">
+            <a:avLst/>
+          </a:prstGeom>
+        </p:spPr>
+      </p:pic>
+    </p:spTree>
+    <p:extLst>
+      <p:ext uri="{BB962C8B-B14F-4D97-AF65-F5344CB8AC3E}">
+        <p14:creationId xmlns:p14="http://schemas.microsoft.com/office/powerpoint/2010/main" val="2210330532"/>
+      </p:ext>
+    </p:extLst>
+  </p:cSld>
+  <p:clrMapOvr>
+    <a:masterClrMapping/>
+  </p:clrMapOvr>
+</p:sld>
+</file>
+
+<file path=ppt/slides/slide19.xml><?xml version="1.0" encoding="utf-8"?>
+<p:sld xmlns:a="http://schemas.openxmlformats.org/drawingml/2006/main" xmlns:r="http://schemas.openxmlformats.org/officeDocument/2006/relationships" xmlns:p="http://schemas.openxmlformats.org/presentationml/2006/main">
+  <p:cSld>
+    <p:spTree>
+      <p:nvGrpSpPr>
+        <p:cNvPr id="1" name=""/>
+        <p:cNvGrpSpPr/>
+        <p:nvPr/>
+      </p:nvGrpSpPr>
+      <p:grpSpPr>
+        <a:xfrm>
+          <a:off x="0" y="0"/>
+          <a:ext cx="0" cy="0"/>
+          <a:chOff x="0" y="0"/>
+          <a:chExt cx="0" cy="0"/>
+        </a:xfrm>
+      </p:grpSpPr>
+      <p:pic>
+        <p:nvPicPr>
+          <p:cNvPr id="2" name="Рисунок 1"/>
+          <p:cNvPicPr>
+            <a:picLocks noChangeAspect="1"/>
+          </p:cNvPicPr>
+          <p:nvPr/>
+        </p:nvPicPr>
+        <p:blipFill>
+          <a:blip r:embed="rId2"/>
+          <a:stretch>
+            <a:fillRect/>
+          </a:stretch>
+        </p:blipFill>
+        <p:spPr>
+          <a:xfrm>
+            <a:off x="3935557" y="652277"/>
+            <a:ext cx="2990850" cy="5695950"/>
+          </a:xfrm>
+          <a:prstGeom prst="rect">
+            <a:avLst/>
+          </a:prstGeom>
+        </p:spPr>
+      </p:pic>
+    </p:spTree>
+    <p:extLst>
+      <p:ext uri="{BB962C8B-B14F-4D97-AF65-F5344CB8AC3E}">
+        <p14:creationId xmlns:p14="http://schemas.microsoft.com/office/powerpoint/2010/main" val="2041026989"/>
+      </p:ext>
+    </p:extLst>
+  </p:cSld>
+  <p:clrMapOvr>
+    <a:masterClrMapping/>
+  </p:clrMapOvr>
+</p:sld>
+</file>
+
 <file path=ppt/slides/slide2.xml><?xml version="1.0" encoding="utf-8"?>
 <p:sld xmlns:a="http://schemas.openxmlformats.org/drawingml/2006/main" xmlns:r="http://schemas.openxmlformats.org/officeDocument/2006/relationships" xmlns:p="http://schemas.openxmlformats.org/presentationml/2006/main">
   <p:cSld>
@@ -8564,6 +9207,168 @@
     <p:extLst>
       <p:ext uri="{BB962C8B-B14F-4D97-AF65-F5344CB8AC3E}">
         <p14:creationId xmlns:p14="http://schemas.microsoft.com/office/powerpoint/2010/main" val="1473749320"/>
+      </p:ext>
+    </p:extLst>
+  </p:cSld>
+  <p:clrMapOvr>
+    <a:masterClrMapping/>
+  </p:clrMapOvr>
+</p:sld>
+</file>
+
+<file path=ppt/slides/slide20.xml><?xml version="1.0" encoding="utf-8"?>
+<p:sld xmlns:a="http://schemas.openxmlformats.org/drawingml/2006/main" xmlns:r="http://schemas.openxmlformats.org/officeDocument/2006/relationships" xmlns:p="http://schemas.openxmlformats.org/presentationml/2006/main">
+  <p:cSld>
+    <p:spTree>
+      <p:nvGrpSpPr>
+        <p:cNvPr id="1" name=""/>
+        <p:cNvGrpSpPr/>
+        <p:nvPr/>
+      </p:nvGrpSpPr>
+      <p:grpSpPr>
+        <a:xfrm>
+          <a:off x="0" y="0"/>
+          <a:ext cx="0" cy="0"/>
+          <a:chOff x="0" y="0"/>
+          <a:chExt cx="0" cy="0"/>
+        </a:xfrm>
+      </p:grpSpPr>
+      <p:pic>
+        <p:nvPicPr>
+          <p:cNvPr id="3" name="Рисунок 2"/>
+          <p:cNvPicPr>
+            <a:picLocks noChangeAspect="1"/>
+          </p:cNvPicPr>
+          <p:nvPr/>
+        </p:nvPicPr>
+        <p:blipFill>
+          <a:blip r:embed="rId2"/>
+          <a:stretch>
+            <a:fillRect/>
+          </a:stretch>
+        </p:blipFill>
+        <p:spPr>
+          <a:xfrm>
+            <a:off x="2443162" y="276225"/>
+            <a:ext cx="7305675" cy="6305550"/>
+          </a:xfrm>
+          <a:prstGeom prst="rect">
+            <a:avLst/>
+          </a:prstGeom>
+        </p:spPr>
+      </p:pic>
+    </p:spTree>
+    <p:extLst>
+      <p:ext uri="{BB962C8B-B14F-4D97-AF65-F5344CB8AC3E}">
+        <p14:creationId xmlns:p14="http://schemas.microsoft.com/office/powerpoint/2010/main" val="3348593185"/>
+      </p:ext>
+    </p:extLst>
+  </p:cSld>
+  <p:clrMapOvr>
+    <a:masterClrMapping/>
+  </p:clrMapOvr>
+</p:sld>
+</file>
+
+<file path=ppt/slides/slide21.xml><?xml version="1.0" encoding="utf-8"?>
+<p:sld xmlns:a="http://schemas.openxmlformats.org/drawingml/2006/main" xmlns:r="http://schemas.openxmlformats.org/officeDocument/2006/relationships" xmlns:p="http://schemas.openxmlformats.org/presentationml/2006/main">
+  <p:cSld>
+    <p:spTree>
+      <p:nvGrpSpPr>
+        <p:cNvPr id="1" name=""/>
+        <p:cNvGrpSpPr/>
+        <p:nvPr/>
+      </p:nvGrpSpPr>
+      <p:grpSpPr>
+        <a:xfrm>
+          <a:off x="0" y="0"/>
+          <a:ext cx="0" cy="0"/>
+          <a:chOff x="0" y="0"/>
+          <a:chExt cx="0" cy="0"/>
+        </a:xfrm>
+      </p:grpSpPr>
+      <p:pic>
+        <p:nvPicPr>
+          <p:cNvPr id="2" name="Рисунок 1"/>
+          <p:cNvPicPr>
+            <a:picLocks noChangeAspect="1"/>
+          </p:cNvPicPr>
+          <p:nvPr/>
+        </p:nvPicPr>
+        <p:blipFill>
+          <a:blip r:embed="rId2"/>
+          <a:stretch>
+            <a:fillRect/>
+          </a:stretch>
+        </p:blipFill>
+        <p:spPr>
+          <a:xfrm>
+            <a:off x="2119559" y="-388422"/>
+            <a:ext cx="7762875" cy="7848600"/>
+          </a:xfrm>
+          <a:prstGeom prst="rect">
+            <a:avLst/>
+          </a:prstGeom>
+        </p:spPr>
+      </p:pic>
+    </p:spTree>
+    <p:extLst>
+      <p:ext uri="{BB962C8B-B14F-4D97-AF65-F5344CB8AC3E}">
+        <p14:creationId xmlns:p14="http://schemas.microsoft.com/office/powerpoint/2010/main" val="1306915982"/>
+      </p:ext>
+    </p:extLst>
+  </p:cSld>
+  <p:clrMapOvr>
+    <a:masterClrMapping/>
+  </p:clrMapOvr>
+</p:sld>
+</file>
+
+<file path=ppt/slides/slide22.xml><?xml version="1.0" encoding="utf-8"?>
+<p:sld xmlns:a="http://schemas.openxmlformats.org/drawingml/2006/main" xmlns:r="http://schemas.openxmlformats.org/officeDocument/2006/relationships" xmlns:p="http://schemas.openxmlformats.org/presentationml/2006/main">
+  <p:cSld>
+    <p:spTree>
+      <p:nvGrpSpPr>
+        <p:cNvPr id="1" name=""/>
+        <p:cNvGrpSpPr/>
+        <p:nvPr/>
+      </p:nvGrpSpPr>
+      <p:grpSpPr>
+        <a:xfrm>
+          <a:off x="0" y="0"/>
+          <a:ext cx="0" cy="0"/>
+          <a:chOff x="0" y="0"/>
+          <a:chExt cx="0" cy="0"/>
+        </a:xfrm>
+      </p:grpSpPr>
+      <p:pic>
+        <p:nvPicPr>
+          <p:cNvPr id="3" name="Рисунок 2"/>
+          <p:cNvPicPr>
+            <a:picLocks noChangeAspect="1"/>
+          </p:cNvPicPr>
+          <p:nvPr/>
+        </p:nvPicPr>
+        <p:blipFill>
+          <a:blip r:embed="rId2"/>
+          <a:stretch>
+            <a:fillRect/>
+          </a:stretch>
+        </p:blipFill>
+        <p:spPr>
+          <a:xfrm>
+            <a:off x="4257675" y="2085975"/>
+            <a:ext cx="3676650" cy="2686050"/>
+          </a:xfrm>
+          <a:prstGeom prst="rect">
+            <a:avLst/>
+          </a:prstGeom>
+        </p:spPr>
+      </p:pic>
+    </p:spTree>
+    <p:extLst>
+      <p:ext uri="{BB962C8B-B14F-4D97-AF65-F5344CB8AC3E}">
+        <p14:creationId xmlns:p14="http://schemas.microsoft.com/office/powerpoint/2010/main" val="3125014496"/>
       </p:ext>
     </p:extLst>
   </p:cSld>
@@ -8947,8 +9752,27 @@
                   </a:schemeClr>
                 </a:solidFill>
               </a:rPr>
-              <a:t>тестировал приложение.</a:t>
-            </a:r>
+              <a:t>тестировал </a:t>
+            </a:r>
+            <a:r>
+              <a:rPr lang="ru-RU" sz="2000" dirty="0" smtClean="0">
+                <a:solidFill>
+                  <a:schemeClr val="tx1">
+                    <a:lumMod val="65000"/>
+                    <a:lumOff val="35000"/>
+                  </a:schemeClr>
+                </a:solidFill>
+              </a:rPr>
+              <a:t>приложение.</a:t>
+            </a:r>
+            <a:endParaRPr lang="ru-RU" sz="2000" dirty="0" smtClean="0">
+              <a:solidFill>
+                <a:schemeClr val="tx1">
+                  <a:lumMod val="65000"/>
+                  <a:lumOff val="35000"/>
+                </a:schemeClr>
+              </a:solidFill>
+            </a:endParaRPr>
           </a:p>
           <a:p>
             <a:r>
